--- a/Calendario/Presentaciones/5_Subneteo_VLSM.pptx
+++ b/Calendario/Presentaciones/5_Subneteo_VLSM.pptx
@@ -228,7 +228,7 @@
           <a:p>
             <a:fld id="{2D445F07-8756-451B-A938-0248325FC7BB}" type="datetimeFigureOut">
               <a:rPr lang="es-MX" smtClean="0"/>
-              <a:t>12/02/2023</a:t>
+              <a:t>23/02/2023</a:t>
             </a:fld>
             <a:endParaRPr lang="es-MX" dirty="0"/>
           </a:p>
@@ -1771,7 +1771,7 @@
           <a:p>
             <a:fld id="{5E75A0DC-66C6-4CEC-A5EB-F8C97CEC3796}" type="datetimeFigureOut">
               <a:rPr lang="es-MX" smtClean="0"/>
-              <a:t>12/02/2023</a:t>
+              <a:t>23/02/2023</a:t>
             </a:fld>
             <a:endParaRPr lang="es-MX" dirty="0"/>
           </a:p>
@@ -1941,7 +1941,7 @@
           <a:p>
             <a:fld id="{5E75A0DC-66C6-4CEC-A5EB-F8C97CEC3796}" type="datetimeFigureOut">
               <a:rPr lang="es-MX" smtClean="0"/>
-              <a:t>12/02/2023</a:t>
+              <a:t>23/02/2023</a:t>
             </a:fld>
             <a:endParaRPr lang="es-MX" dirty="0"/>
           </a:p>
@@ -2121,7 +2121,7 @@
           <a:p>
             <a:fld id="{5E75A0DC-66C6-4CEC-A5EB-F8C97CEC3796}" type="datetimeFigureOut">
               <a:rPr lang="es-MX" smtClean="0"/>
-              <a:t>12/02/2023</a:t>
+              <a:t>23/02/2023</a:t>
             </a:fld>
             <a:endParaRPr lang="es-MX" dirty="0"/>
           </a:p>
@@ -2255,7 +2255,7 @@
           <a:p>
             <a:fld id="{1D8BD707-D9CF-40AE-B4C6-C98DA3205C09}" type="datetimeFigureOut">
               <a:rPr lang="en-US"/>
-              <a:t>2/12/2023</a:t>
+              <a:t>2/23/2023</a:t>
             </a:fld>
             <a:endParaRPr lang="en-US"/>
           </a:p>
@@ -2415,7 +2415,7 @@
           <a:p>
             <a:fld id="{5E75A0DC-66C6-4CEC-A5EB-F8C97CEC3796}" type="datetimeFigureOut">
               <a:rPr lang="es-MX" smtClean="0"/>
-              <a:t>12/02/2023</a:t>
+              <a:t>23/02/2023</a:t>
             </a:fld>
             <a:endParaRPr lang="es-MX" dirty="0"/>
           </a:p>
@@ -2661,7 +2661,7 @@
           <a:p>
             <a:fld id="{5E75A0DC-66C6-4CEC-A5EB-F8C97CEC3796}" type="datetimeFigureOut">
               <a:rPr lang="es-MX" smtClean="0"/>
-              <a:t>12/02/2023</a:t>
+              <a:t>23/02/2023</a:t>
             </a:fld>
             <a:endParaRPr lang="es-MX" dirty="0"/>
           </a:p>
@@ -2949,7 +2949,7 @@
           <a:p>
             <a:fld id="{5E75A0DC-66C6-4CEC-A5EB-F8C97CEC3796}" type="datetimeFigureOut">
               <a:rPr lang="es-MX" smtClean="0"/>
-              <a:t>12/02/2023</a:t>
+              <a:t>23/02/2023</a:t>
             </a:fld>
             <a:endParaRPr lang="es-MX" dirty="0"/>
           </a:p>
@@ -3371,7 +3371,7 @@
           <a:p>
             <a:fld id="{5E75A0DC-66C6-4CEC-A5EB-F8C97CEC3796}" type="datetimeFigureOut">
               <a:rPr lang="es-MX" smtClean="0"/>
-              <a:t>12/02/2023</a:t>
+              <a:t>23/02/2023</a:t>
             </a:fld>
             <a:endParaRPr lang="es-MX" dirty="0"/>
           </a:p>
@@ -3489,7 +3489,7 @@
           <a:p>
             <a:fld id="{5E75A0DC-66C6-4CEC-A5EB-F8C97CEC3796}" type="datetimeFigureOut">
               <a:rPr lang="es-MX" smtClean="0"/>
-              <a:t>12/02/2023</a:t>
+              <a:t>23/02/2023</a:t>
             </a:fld>
             <a:endParaRPr lang="es-MX" dirty="0"/>
           </a:p>
@@ -3584,7 +3584,7 @@
           <a:p>
             <a:fld id="{5E75A0DC-66C6-4CEC-A5EB-F8C97CEC3796}" type="datetimeFigureOut">
               <a:rPr lang="es-MX" smtClean="0"/>
-              <a:t>12/02/2023</a:t>
+              <a:t>23/02/2023</a:t>
             </a:fld>
             <a:endParaRPr lang="es-MX" dirty="0"/>
           </a:p>
@@ -3861,7 +3861,7 @@
           <a:p>
             <a:fld id="{5E75A0DC-66C6-4CEC-A5EB-F8C97CEC3796}" type="datetimeFigureOut">
               <a:rPr lang="es-MX" smtClean="0"/>
-              <a:t>12/02/2023</a:t>
+              <a:t>23/02/2023</a:t>
             </a:fld>
             <a:endParaRPr lang="es-MX" dirty="0"/>
           </a:p>
@@ -4114,7 +4114,7 @@
           <a:p>
             <a:fld id="{5E75A0DC-66C6-4CEC-A5EB-F8C97CEC3796}" type="datetimeFigureOut">
               <a:rPr lang="es-MX" smtClean="0"/>
-              <a:t>12/02/2023</a:t>
+              <a:t>23/02/2023</a:t>
             </a:fld>
             <a:endParaRPr lang="es-MX" dirty="0"/>
           </a:p>
@@ -4327,7 +4327,7 @@
           <a:p>
             <a:fld id="{5E75A0DC-66C6-4CEC-A5EB-F8C97CEC3796}" type="datetimeFigureOut">
               <a:rPr lang="es-MX" smtClean="0"/>
-              <a:t>12/02/2023</a:t>
+              <a:t>23/02/2023</a:t>
             </a:fld>
             <a:endParaRPr lang="es-MX" dirty="0"/>
           </a:p>
@@ -10977,7 +10977,7 @@
             </a:r>
             <a:r>
               <a:rPr lang="es-ES" b="1" dirty="0"/>
-              <a:t>192.168.128.0</a:t>
+              <a:t>192.16.128.0</a:t>
             </a:r>
             <a:r>
               <a:rPr lang="es-ES" dirty="0"/>
@@ -12796,7 +12796,7 @@
             </a:r>
             <a:r>
               <a:rPr lang="es-ES" b="1" dirty="0"/>
-              <a:t>192.168.128.0</a:t>
+              <a:t>192.16.128.0</a:t>
             </a:r>
             <a:r>
               <a:rPr lang="es-ES" dirty="0"/>
@@ -14772,7 +14772,7 @@
             </a:r>
             <a:r>
               <a:rPr lang="es-ES" b="1" dirty="0"/>
-              <a:t>192.168.128.0</a:t>
+              <a:t>192.16.128.0</a:t>
             </a:r>
             <a:r>
               <a:rPr lang="es-ES" dirty="0"/>
